--- a/IRIS1_MCU_V1.5/軸向說明.pptx
+++ b/IRIS1_MCU_V1.5/軸向說明.pptx
@@ -108,6 +108,11 @@
       </a:defRPr>
     </a:lvl9pPr>
   </p:defaultTextStyle>
+  <p:extLst>
+    <p:ext uri="{EFAFB233-063F-42B5-8137-9DF3F51BA10A}">
+      <p15:sldGuideLst xmlns:p15="http://schemas.microsoft.com/office/powerpoint/2012/main"/>
+    </p:ext>
+  </p:extLst>
 </p:presentation>
 </file>
 
@@ -258,7 +263,7 @@
           <a:p>
             <a:fld id="{C6DC6E88-8268-41DF-AB70-3C6FB3488E03}" type="datetimeFigureOut">
               <a:rPr lang="zh-TW" altLang="en-US" smtClean="0"/>
-              <a:t>2025/9/10</a:t>
+              <a:t>2025/9/15</a:t>
             </a:fld>
             <a:endParaRPr lang="zh-TW" altLang="en-US"/>
           </a:p>
@@ -456,7 +461,7 @@
           <a:p>
             <a:fld id="{C6DC6E88-8268-41DF-AB70-3C6FB3488E03}" type="datetimeFigureOut">
               <a:rPr lang="zh-TW" altLang="en-US" smtClean="0"/>
-              <a:t>2025/9/10</a:t>
+              <a:t>2025/9/15</a:t>
             </a:fld>
             <a:endParaRPr lang="zh-TW" altLang="en-US"/>
           </a:p>
@@ -664,7 +669,7 @@
           <a:p>
             <a:fld id="{C6DC6E88-8268-41DF-AB70-3C6FB3488E03}" type="datetimeFigureOut">
               <a:rPr lang="zh-TW" altLang="en-US" smtClean="0"/>
-              <a:t>2025/9/10</a:t>
+              <a:t>2025/9/15</a:t>
             </a:fld>
             <a:endParaRPr lang="zh-TW" altLang="en-US"/>
           </a:p>
@@ -862,7 +867,7 @@
           <a:p>
             <a:fld id="{C6DC6E88-8268-41DF-AB70-3C6FB3488E03}" type="datetimeFigureOut">
               <a:rPr lang="zh-TW" altLang="en-US" smtClean="0"/>
-              <a:t>2025/9/10</a:t>
+              <a:t>2025/9/15</a:t>
             </a:fld>
             <a:endParaRPr lang="zh-TW" altLang="en-US"/>
           </a:p>
@@ -1137,7 +1142,7 @@
           <a:p>
             <a:fld id="{C6DC6E88-8268-41DF-AB70-3C6FB3488E03}" type="datetimeFigureOut">
               <a:rPr lang="zh-TW" altLang="en-US" smtClean="0"/>
-              <a:t>2025/9/10</a:t>
+              <a:t>2025/9/15</a:t>
             </a:fld>
             <a:endParaRPr lang="zh-TW" altLang="en-US"/>
           </a:p>
@@ -1402,7 +1407,7 @@
           <a:p>
             <a:fld id="{C6DC6E88-8268-41DF-AB70-3C6FB3488E03}" type="datetimeFigureOut">
               <a:rPr lang="zh-TW" altLang="en-US" smtClean="0"/>
-              <a:t>2025/9/10</a:t>
+              <a:t>2025/9/15</a:t>
             </a:fld>
             <a:endParaRPr lang="zh-TW" altLang="en-US"/>
           </a:p>
@@ -1814,7 +1819,7 @@
           <a:p>
             <a:fld id="{C6DC6E88-8268-41DF-AB70-3C6FB3488E03}" type="datetimeFigureOut">
               <a:rPr lang="zh-TW" altLang="en-US" smtClean="0"/>
-              <a:t>2025/9/10</a:t>
+              <a:t>2025/9/15</a:t>
             </a:fld>
             <a:endParaRPr lang="zh-TW" altLang="en-US"/>
           </a:p>
@@ -1955,7 +1960,7 @@
           <a:p>
             <a:fld id="{C6DC6E88-8268-41DF-AB70-3C6FB3488E03}" type="datetimeFigureOut">
               <a:rPr lang="zh-TW" altLang="en-US" smtClean="0"/>
-              <a:t>2025/9/10</a:t>
+              <a:t>2025/9/15</a:t>
             </a:fld>
             <a:endParaRPr lang="zh-TW" altLang="en-US"/>
           </a:p>
@@ -2068,7 +2073,7 @@
           <a:p>
             <a:fld id="{C6DC6E88-8268-41DF-AB70-3C6FB3488E03}" type="datetimeFigureOut">
               <a:rPr lang="zh-TW" altLang="en-US" smtClean="0"/>
-              <a:t>2025/9/10</a:t>
+              <a:t>2025/9/15</a:t>
             </a:fld>
             <a:endParaRPr lang="zh-TW" altLang="en-US"/>
           </a:p>
@@ -2379,7 +2384,7 @@
           <a:p>
             <a:fld id="{C6DC6E88-8268-41DF-AB70-3C6FB3488E03}" type="datetimeFigureOut">
               <a:rPr lang="zh-TW" altLang="en-US" smtClean="0"/>
-              <a:t>2025/9/10</a:t>
+              <a:t>2025/9/15</a:t>
             </a:fld>
             <a:endParaRPr lang="zh-TW" altLang="en-US"/>
           </a:p>
@@ -2667,7 +2672,7 @@
           <a:p>
             <a:fld id="{C6DC6E88-8268-41DF-AB70-3C6FB3488E03}" type="datetimeFigureOut">
               <a:rPr lang="zh-TW" altLang="en-US" smtClean="0"/>
-              <a:t>2025/9/10</a:t>
+              <a:t>2025/9/15</a:t>
             </a:fld>
             <a:endParaRPr lang="zh-TW" altLang="en-US"/>
           </a:p>
@@ -2908,7 +2913,7 @@
           <a:p>
             <a:fld id="{C6DC6E88-8268-41DF-AB70-3C6FB3488E03}" type="datetimeFigureOut">
               <a:rPr lang="zh-TW" altLang="en-US" smtClean="0"/>
-              <a:t>2025/9/10</a:t>
+              <a:t>2025/9/15</a:t>
             </a:fld>
             <a:endParaRPr lang="zh-TW" altLang="en-US"/>
           </a:p>
@@ -3429,14 +3434,14 @@
           <p:nvPr>
             <p:extLst>
               <p:ext uri="{D42A27DB-BD31-4B8C-83A1-F6EECF244321}">
-                <p14:modId xmlns:p14="http://schemas.microsoft.com/office/powerpoint/2010/main" val="2572489618"/>
+                <p14:modId xmlns:p14="http://schemas.microsoft.com/office/powerpoint/2010/main" val="1194225603"/>
               </p:ext>
             </p:extLst>
           </p:nvPr>
         </p:nvGraphicFramePr>
         <p:xfrm>
           <a:off x="1385957" y="530822"/>
-          <a:ext cx="8128000" cy="2667000"/>
+          <a:ext cx="8128000" cy="3408680"/>
         </p:xfrm>
         <a:graphic>
           <a:graphicData uri="http://schemas.openxmlformats.org/drawingml/2006/table">
@@ -3704,6 +3709,173 @@
                 <a:extLst>
                   <a:ext uri="{0D108BD9-81ED-4DB2-BD59-A6C34878D82A}">
                     <a16:rowId xmlns:a16="http://schemas.microsoft.com/office/drawing/2014/main" val="2009813523"/>
+                  </a:ext>
+                </a:extLst>
+              </a:tr>
+              <a:tr h="370840">
+                <a:tc>
+                  <a:txBody>
+                    <a:bodyPr/>
+                    <a:lstStyle/>
+                    <a:p>
+                      <a:pPr marL="0" marR="0" lvl="0" indent="0" algn="l" defTabSz="914400" rtl="0" eaLnBrk="1" fontAlgn="auto" latinLnBrk="0" hangingPunct="1">
+                        <a:lnSpc>
+                          <a:spcPct val="100000"/>
+                        </a:lnSpc>
+                        <a:spcBef>
+                          <a:spcPts val="0"/>
+                        </a:spcBef>
+                        <a:spcAft>
+                          <a:spcPts val="0"/>
+                        </a:spcAft>
+                        <a:buClrTx/>
+                        <a:buSzTx/>
+                        <a:buFontTx/>
+                        <a:buNone/>
+                        <a:tabLst/>
+                        <a:defRPr/>
+                      </a:pPr>
+                      <a:r>
+                        <a:rPr lang="zh-TW" altLang="en-US" sz="1400" dirty="0"/>
+                        <a:t>對應</a:t>
+                      </a:r>
+                      <a:r>
+                        <a:rPr lang="en-US" altLang="zh-TW" sz="1400" dirty="0"/>
+                        <a:t>ADC</a:t>
+                      </a:r>
+                      <a:endParaRPr lang="zh-TW" altLang="en-US" sz="1400" dirty="0"/>
+                    </a:p>
+                  </a:txBody>
+                  <a:tcPr/>
+                </a:tc>
+                <a:tc>
+                  <a:txBody>
+                    <a:bodyPr/>
+                    <a:lstStyle/>
+                    <a:p>
+                      <a:r>
+                        <a:rPr lang="en-US" altLang="zh-TW" sz="1400" dirty="0"/>
+                        <a:t>ADC_1_1</a:t>
+                      </a:r>
+                      <a:endParaRPr lang="zh-TW" altLang="en-US" sz="1400" dirty="0"/>
+                    </a:p>
+                  </a:txBody>
+                  <a:tcPr/>
+                </a:tc>
+                <a:tc>
+                  <a:txBody>
+                    <a:bodyPr/>
+                    <a:lstStyle/>
+                    <a:p>
+                      <a:r>
+                        <a:rPr lang="en-US" altLang="zh-TW" sz="1400" dirty="0"/>
+                        <a:t>ADC_2_2</a:t>
+                      </a:r>
+                      <a:endParaRPr lang="zh-TW" altLang="en-US" sz="1400" dirty="0"/>
+                    </a:p>
+                  </a:txBody>
+                  <a:tcPr/>
+                </a:tc>
+                <a:tc>
+                  <a:txBody>
+                    <a:bodyPr/>
+                    <a:lstStyle/>
+                    <a:p>
+                      <a:r>
+                        <a:rPr lang="en-US" altLang="zh-TW" sz="1400" dirty="0"/>
+                        <a:t>ADC_2_1</a:t>
+                      </a:r>
+                      <a:endParaRPr lang="zh-TW" altLang="en-US" sz="1400" dirty="0"/>
+                    </a:p>
+                  </a:txBody>
+                  <a:tcPr/>
+                </a:tc>
+                <a:extLst>
+                  <a:ext uri="{0D108BD9-81ED-4DB2-BD59-A6C34878D82A}">
+                    <a16:rowId xmlns:a16="http://schemas.microsoft.com/office/drawing/2014/main" val="2435068180"/>
+                  </a:ext>
+                </a:extLst>
+              </a:tr>
+              <a:tr h="370840">
+                <a:tc>
+                  <a:txBody>
+                    <a:bodyPr/>
+                    <a:lstStyle/>
+                    <a:p>
+                      <a:pPr marL="0" marR="0" lvl="0" indent="0" algn="l" defTabSz="914400" rtl="0" eaLnBrk="1" fontAlgn="auto" latinLnBrk="0" hangingPunct="1">
+                        <a:lnSpc>
+                          <a:spcPct val="100000"/>
+                        </a:lnSpc>
+                        <a:spcBef>
+                          <a:spcPts val="0"/>
+                        </a:spcBef>
+                        <a:spcAft>
+                          <a:spcPts val="0"/>
+                        </a:spcAft>
+                        <a:buClrTx/>
+                        <a:buSzTx/>
+                        <a:buFontTx/>
+                        <a:buNone/>
+                        <a:tabLst/>
+                        <a:defRPr/>
+                      </a:pPr>
+                      <a:r>
+                        <a:rPr lang="en-US" altLang="zh-TW" sz="1400" dirty="0"/>
+                        <a:t>FPGA </a:t>
+                      </a:r>
+                      <a:r>
+                        <a:rPr lang="zh-TW" altLang="en-US" sz="1400" dirty="0"/>
+                        <a:t>變數</a:t>
+                      </a:r>
+                    </a:p>
+                  </a:txBody>
+                  <a:tcPr/>
+                </a:tc>
+                <a:tc>
+                  <a:txBody>
+                    <a:bodyPr/>
+                    <a:lstStyle/>
+                    <a:p>
+                      <a:r>
+                        <a:rPr lang="en-US" altLang="zh-TW" sz="1400" dirty="0"/>
+                        <a:t>o_step_1</a:t>
+                      </a:r>
+                      <a:endParaRPr lang="zh-TW" altLang="en-US" sz="1400" dirty="0"/>
+                    </a:p>
+                  </a:txBody>
+                  <a:tcPr/>
+                </a:tc>
+                <a:tc>
+                  <a:txBody>
+                    <a:bodyPr/>
+                    <a:lstStyle/>
+                    <a:p>
+                      <a:r>
+                        <a:rPr lang="en-US" altLang="zh-TW" sz="1400" dirty="0"/>
+                        <a:t>o_step_3</a:t>
+                      </a:r>
+                      <a:endParaRPr lang="zh-TW" altLang="en-US" sz="1400" dirty="0"/>
+                    </a:p>
+                  </a:txBody>
+                  <a:tcPr/>
+                </a:tc>
+                <a:tc>
+                  <a:txBody>
+                    <a:bodyPr/>
+                    <a:lstStyle/>
+                    <a:p>
+                      <a:r>
+                        <a:rPr lang="en-US" altLang="zh-TW" sz="1400" dirty="0"/>
+                        <a:t>o_step_2</a:t>
+                      </a:r>
+                      <a:endParaRPr lang="zh-TW" altLang="en-US" sz="1400" dirty="0"/>
+                    </a:p>
+                  </a:txBody>
+                  <a:tcPr/>
+                </a:tc>
+                <a:extLst>
+                  <a:ext uri="{0D108BD9-81ED-4DB2-BD59-A6C34878D82A}">
+                    <a16:rowId xmlns:a16="http://schemas.microsoft.com/office/drawing/2014/main" val="1311851592"/>
                   </a:ext>
                 </a:extLst>
               </a:tr>
